--- a/FLEXDASHBOARD.pptx
+++ b/FLEXDASHBOARD.pptx
@@ -857,7 +857,7 @@
           <a:p>
             <a:fld id="{88D38747-4367-4BD2-8D51-C97E202738E2}" type="datetime1">
               <a:rPr lang="en-US" smtClean="0"/>
-              <a:t>7/17/2019</a:t>
+              <a:t>11/22/2019</a:t>
             </a:fld>
             <a:endParaRPr lang="en-US" dirty="0"/>
           </a:p>
@@ -1109,7 +1109,7 @@
           <a:p>
             <a:fld id="{073ED0CC-082F-4160-86E5-0D6041F12778}" type="datetime1">
               <a:rPr lang="en-US" smtClean="0"/>
-              <a:t>7/17/2019</a:t>
+              <a:t>11/22/2019</a:t>
             </a:fld>
             <a:endParaRPr lang="en-US" dirty="0"/>
           </a:p>
@@ -1424,7 +1424,7 @@
           <a:p>
             <a:fld id="{073ED0CC-082F-4160-86E5-0D6041F12778}" type="datetime1">
               <a:rPr lang="en-US" smtClean="0"/>
-              <a:t>7/17/2019</a:t>
+              <a:t>11/22/2019</a:t>
             </a:fld>
             <a:endParaRPr lang="en-US" dirty="0"/>
           </a:p>
@@ -1766,7 +1766,7 @@
           <a:p>
             <a:fld id="{073ED0CC-082F-4160-86E5-0D6041F12778}" type="datetime1">
               <a:rPr lang="en-US" smtClean="0"/>
-              <a:t>7/17/2019</a:t>
+              <a:t>11/22/2019</a:t>
             </a:fld>
             <a:endParaRPr lang="en-US" dirty="0"/>
           </a:p>
@@ -2081,7 +2081,7 @@
           <a:p>
             <a:fld id="{073ED0CC-082F-4160-86E5-0D6041F12778}" type="datetime1">
               <a:rPr lang="en-US" smtClean="0"/>
-              <a:t>7/17/2019</a:t>
+              <a:t>11/22/2019</a:t>
             </a:fld>
             <a:endParaRPr lang="en-US" dirty="0"/>
           </a:p>
@@ -2475,7 +2475,7 @@
           <a:p>
             <a:fld id="{073ED0CC-082F-4160-86E5-0D6041F12778}" type="datetime1">
               <a:rPr lang="en-US" smtClean="0"/>
-              <a:t>7/17/2019</a:t>
+              <a:t>11/22/2019</a:t>
             </a:fld>
             <a:endParaRPr lang="en-US" dirty="0"/>
           </a:p>
@@ -2646,7 +2646,7 @@
           <a:p>
             <a:fld id="{217E833E-1B6D-415F-AD29-75AE8C43BD0D}" type="datetime1">
               <a:rPr lang="en-US" smtClean="0"/>
-              <a:t>7/17/2019</a:t>
+              <a:t>11/22/2019</a:t>
             </a:fld>
             <a:endParaRPr lang="en-US" dirty="0"/>
           </a:p>
@@ -2826,7 +2826,7 @@
           <a:p>
             <a:fld id="{8452596F-08A7-4B70-989A-F2B1CF31E66B}" type="datetime1">
               <a:rPr lang="en-US" smtClean="0"/>
-              <a:t>7/17/2019</a:t>
+              <a:t>11/22/2019</a:t>
             </a:fld>
             <a:endParaRPr lang="en-US" dirty="0"/>
           </a:p>
@@ -3002,7 +3002,7 @@
           <a:p>
             <a:fld id="{73C55A3C-5767-4844-A0A3-83778C2E5409}" type="datetime1">
               <a:rPr lang="en-US" smtClean="0"/>
-              <a:t>7/17/2019</a:t>
+              <a:t>11/22/2019</a:t>
             </a:fld>
             <a:endParaRPr lang="en-US" dirty="0"/>
           </a:p>
@@ -3249,7 +3249,7 @@
           <a:p>
             <a:fld id="{CAE507A8-A5CF-4D38-AB86-7EDDA87A85D4}" type="datetime1">
               <a:rPr lang="en-US" smtClean="0"/>
-              <a:t>7/17/2019</a:t>
+              <a:t>11/22/2019</a:t>
             </a:fld>
             <a:endParaRPr lang="en-US" dirty="0"/>
           </a:p>
@@ -3482,7 +3482,7 @@
           <a:p>
             <a:fld id="{BDFCD27C-8599-43EF-BA1D-14DDC1946E06}" type="datetime1">
               <a:rPr lang="en-US" smtClean="0"/>
-              <a:t>7/17/2019</a:t>
+              <a:t>11/22/2019</a:t>
             </a:fld>
             <a:endParaRPr lang="en-US" dirty="0"/>
           </a:p>
@@ -3856,7 +3856,7 @@
           <a:p>
             <a:fld id="{49343D99-809A-49C0-96E5-4250D0B498EE}" type="datetime1">
               <a:rPr lang="en-US" smtClean="0"/>
-              <a:t>7/17/2019</a:t>
+              <a:t>11/22/2019</a:t>
             </a:fld>
             <a:endParaRPr lang="en-US" dirty="0"/>
           </a:p>
@@ -3979,7 +3979,7 @@
           <a:p>
             <a:fld id="{A143DE9B-B678-4EFB-BB7D-A4370204A0B0}" type="datetime1">
               <a:rPr lang="en-US" smtClean="0"/>
-              <a:t>7/17/2019</a:t>
+              <a:t>11/22/2019</a:t>
             </a:fld>
             <a:endParaRPr lang="en-US" dirty="0"/>
           </a:p>
@@ -4074,7 +4074,7 @@
           <a:p>
             <a:fld id="{E68812DA-F765-4142-A6A3-A8ED7235E082}" type="datetime1">
               <a:rPr lang="en-US" smtClean="0"/>
-              <a:t>7/17/2019</a:t>
+              <a:t>11/22/2019</a:t>
             </a:fld>
             <a:endParaRPr lang="en-US" dirty="0"/>
           </a:p>
@@ -4329,7 +4329,7 @@
           <a:p>
             <a:fld id="{3E0277FD-7DE6-41D4-930D-AC99F5AFE54E}" type="datetime1">
               <a:rPr lang="en-US" smtClean="0"/>
-              <a:t>7/17/2019</a:t>
+              <a:t>11/22/2019</a:t>
             </a:fld>
             <a:endParaRPr lang="en-US" dirty="0"/>
           </a:p>
@@ -4593,7 +4593,7 @@
           <a:p>
             <a:fld id="{9EA15526-7079-4B7B-987C-1B5FAE11A0FF}" type="datetime1">
               <a:rPr lang="en-US" smtClean="0"/>
-              <a:t>7/17/2019</a:t>
+              <a:t>11/22/2019</a:t>
             </a:fld>
             <a:endParaRPr lang="en-US" dirty="0"/>
           </a:p>
@@ -5337,7 +5337,7 @@
           <a:p>
             <a:fld id="{073ED0CC-082F-4160-86E5-0D6041F12778}" type="datetime1">
               <a:rPr lang="en-US" smtClean="0"/>
-              <a:t>7/17/2019</a:t>
+              <a:t>11/22/2019</a:t>
             </a:fld>
             <a:endParaRPr lang="en-US" dirty="0"/>
           </a:p>
@@ -5867,7 +5867,7 @@
           <p:cNvPr id="2" name="Title 1">
             <a:extLst>
               <a:ext uri="{FF2B5EF4-FFF2-40B4-BE49-F238E27FC236}">
-                <a16:creationId xmlns:a16="http://schemas.microsoft.com/office/drawing/2014/main" id="{FEC6DDD9-3AA2-43C8-8A6A-C1E08F7C4FAD}"/>
+                <a16:creationId xmlns:a16="http://schemas.microsoft.com/office/drawing/2014/main" xmlns="" id="{FEC6DDD9-3AA2-43C8-8A6A-C1E08F7C4FAD}"/>
               </a:ext>
             </a:extLst>
           </p:cNvPr>
@@ -5900,7 +5900,7 @@
           <p:cNvPr id="3" name="Subtitle 2">
             <a:extLst>
               <a:ext uri="{FF2B5EF4-FFF2-40B4-BE49-F238E27FC236}">
-                <a16:creationId xmlns:a16="http://schemas.microsoft.com/office/drawing/2014/main" id="{CEDF1CF9-8FBB-454F-A34B-0ADA153B931A}"/>
+                <a16:creationId xmlns:a16="http://schemas.microsoft.com/office/drawing/2014/main" xmlns="" id="{CEDF1CF9-8FBB-454F-A34B-0ADA153B931A}"/>
               </a:ext>
             </a:extLst>
           </p:cNvPr>
@@ -5963,7 +5963,7 @@
           <p:cNvPr id="2" name="Title 1">
             <a:extLst>
               <a:ext uri="{FF2B5EF4-FFF2-40B4-BE49-F238E27FC236}">
-                <a16:creationId xmlns:a16="http://schemas.microsoft.com/office/drawing/2014/main" id="{9A4E8174-D481-4742-BAC7-C8540946021E}"/>
+                <a16:creationId xmlns:a16="http://schemas.microsoft.com/office/drawing/2014/main" xmlns="" id="{9A4E8174-D481-4742-BAC7-C8540946021E}"/>
               </a:ext>
             </a:extLst>
           </p:cNvPr>
@@ -5993,7 +5993,7 @@
           <p:cNvPr id="3" name="Content Placeholder 2">
             <a:extLst>
               <a:ext uri="{FF2B5EF4-FFF2-40B4-BE49-F238E27FC236}">
-                <a16:creationId xmlns:a16="http://schemas.microsoft.com/office/drawing/2014/main" id="{53CF783D-EB49-4880-91FC-C51EF7A60873}"/>
+                <a16:creationId xmlns:a16="http://schemas.microsoft.com/office/drawing/2014/main" xmlns="" id="{53CF783D-EB49-4880-91FC-C51EF7A60873}"/>
               </a:ext>
             </a:extLst>
           </p:cNvPr>
@@ -6041,7 +6041,7 @@
           <p:cNvPr id="4" name="Picture 3">
             <a:extLst>
               <a:ext uri="{FF2B5EF4-FFF2-40B4-BE49-F238E27FC236}">
-                <a16:creationId xmlns:a16="http://schemas.microsoft.com/office/drawing/2014/main" id="{FB154B09-23C1-4A90-95CC-9AA7FF58E6AD}"/>
+                <a16:creationId xmlns:a16="http://schemas.microsoft.com/office/drawing/2014/main" xmlns="" id="{FB154B09-23C1-4A90-95CC-9AA7FF58E6AD}"/>
               </a:ext>
             </a:extLst>
           </p:cNvPr>
@@ -6230,7 +6230,7 @@
           <p:cNvPr id="2" name="Title 1">
             <a:extLst>
               <a:ext uri="{FF2B5EF4-FFF2-40B4-BE49-F238E27FC236}">
-                <a16:creationId xmlns:a16="http://schemas.microsoft.com/office/drawing/2014/main" id="{C518EA56-9E9B-4AC6-A727-405989C1E365}"/>
+                <a16:creationId xmlns:a16="http://schemas.microsoft.com/office/drawing/2014/main" xmlns="" id="{C518EA56-9E9B-4AC6-A727-405989C1E365}"/>
               </a:ext>
             </a:extLst>
           </p:cNvPr>
@@ -6258,7 +6258,7 @@
           <p:cNvPr id="3" name="Content Placeholder 2">
             <a:extLst>
               <a:ext uri="{FF2B5EF4-FFF2-40B4-BE49-F238E27FC236}">
-                <a16:creationId xmlns:a16="http://schemas.microsoft.com/office/drawing/2014/main" id="{C1DF203D-2E4A-4054-89E0-265E03FE69B2}"/>
+                <a16:creationId xmlns:a16="http://schemas.microsoft.com/office/drawing/2014/main" xmlns="" id="{C1DF203D-2E4A-4054-89E0-265E03FE69B2}"/>
               </a:ext>
             </a:extLst>
           </p:cNvPr>
@@ -6297,7 +6297,7 @@
           <p:cNvPr id="4" name="Picture 3">
             <a:extLst>
               <a:ext uri="{FF2B5EF4-FFF2-40B4-BE49-F238E27FC236}">
-                <a16:creationId xmlns:a16="http://schemas.microsoft.com/office/drawing/2014/main" id="{42462289-E41E-4177-8185-C51625C7375E}"/>
+                <a16:creationId xmlns:a16="http://schemas.microsoft.com/office/drawing/2014/main" xmlns="" id="{42462289-E41E-4177-8185-C51625C7375E}"/>
               </a:ext>
             </a:extLst>
           </p:cNvPr>
@@ -6486,7 +6486,7 @@
           <p:cNvPr id="2" name="Title 1">
             <a:extLst>
               <a:ext uri="{FF2B5EF4-FFF2-40B4-BE49-F238E27FC236}">
-                <a16:creationId xmlns:a16="http://schemas.microsoft.com/office/drawing/2014/main" id="{A7F81F70-8C88-4269-A2B0-4B4A147BD19C}"/>
+                <a16:creationId xmlns:a16="http://schemas.microsoft.com/office/drawing/2014/main" xmlns="" id="{A7F81F70-8C88-4269-A2B0-4B4A147BD19C}"/>
               </a:ext>
             </a:extLst>
           </p:cNvPr>
@@ -6514,7 +6514,7 @@
           <p:cNvPr id="3" name="Content Placeholder 2">
             <a:extLst>
               <a:ext uri="{FF2B5EF4-FFF2-40B4-BE49-F238E27FC236}">
-                <a16:creationId xmlns:a16="http://schemas.microsoft.com/office/drawing/2014/main" id="{4CB614EC-B06F-477D-8642-D228290BE9D0}"/>
+                <a16:creationId xmlns:a16="http://schemas.microsoft.com/office/drawing/2014/main" xmlns="" id="{4CB614EC-B06F-477D-8642-D228290BE9D0}"/>
               </a:ext>
             </a:extLst>
           </p:cNvPr>
@@ -6635,7 +6635,7 @@
           <p:cNvPr id="3074" name="Picture 2" descr="Afbeeldingsresultaat voor twitter logo">
             <a:extLst>
               <a:ext uri="{FF2B5EF4-FFF2-40B4-BE49-F238E27FC236}">
-                <a16:creationId xmlns:a16="http://schemas.microsoft.com/office/drawing/2014/main" id="{693D7D33-0E11-47BF-B53B-823501C9D397}"/>
+                <a16:creationId xmlns:a16="http://schemas.microsoft.com/office/drawing/2014/main" xmlns="" id="{693D7D33-0E11-47BF-B53B-823501C9D397}"/>
               </a:ext>
             </a:extLst>
           </p:cNvPr>
@@ -6645,7 +6645,7 @@
           <p:nvPr/>
         </p:nvPicPr>
         <p:blipFill>
-          <a:blip r:embed="rId4">
+          <a:blip r:embed="rId4" cstate="print">
             <a:extLst>
               <a:ext uri="{28A0092B-C50C-407E-A947-70E740481C1C}">
                 <a14:useLocalDpi xmlns:a14="http://schemas.microsoft.com/office/drawing/2010/main" val="0"/>
@@ -6712,7 +6712,7 @@
           <p:cNvPr id="2" name="Title 1">
             <a:extLst>
               <a:ext uri="{FF2B5EF4-FFF2-40B4-BE49-F238E27FC236}">
-                <a16:creationId xmlns:a16="http://schemas.microsoft.com/office/drawing/2014/main" id="{044E2073-1F7C-4EF7-BAA5-B069E40F5004}"/>
+                <a16:creationId xmlns:a16="http://schemas.microsoft.com/office/drawing/2014/main" xmlns="" id="{044E2073-1F7C-4EF7-BAA5-B069E40F5004}"/>
               </a:ext>
             </a:extLst>
           </p:cNvPr>
@@ -6740,7 +6740,7 @@
           <p:cNvPr id="3" name="Content Placeholder 2">
             <a:extLst>
               <a:ext uri="{FF2B5EF4-FFF2-40B4-BE49-F238E27FC236}">
-                <a16:creationId xmlns:a16="http://schemas.microsoft.com/office/drawing/2014/main" id="{9CE3402B-AE58-4B90-A87D-F587D6200FE9}"/>
+                <a16:creationId xmlns:a16="http://schemas.microsoft.com/office/drawing/2014/main" xmlns="" id="{9CE3402B-AE58-4B90-A87D-F587D6200FE9}"/>
               </a:ext>
             </a:extLst>
           </p:cNvPr>
@@ -6817,7 +6817,7 @@
           <p:cNvPr id="2" name="Title 1">
             <a:extLst>
               <a:ext uri="{FF2B5EF4-FFF2-40B4-BE49-F238E27FC236}">
-                <a16:creationId xmlns:a16="http://schemas.microsoft.com/office/drawing/2014/main" id="{2FF50A66-9ED5-4FD2-B494-7283EE2B3D10}"/>
+                <a16:creationId xmlns:a16="http://schemas.microsoft.com/office/drawing/2014/main" xmlns="" id="{2FF50A66-9ED5-4FD2-B494-7283EE2B3D10}"/>
               </a:ext>
             </a:extLst>
           </p:cNvPr>
@@ -6849,7 +6849,7 @@
           <p:cNvPr id="3" name="Content Placeholder 2">
             <a:extLst>
               <a:ext uri="{FF2B5EF4-FFF2-40B4-BE49-F238E27FC236}">
-                <a16:creationId xmlns:a16="http://schemas.microsoft.com/office/drawing/2014/main" id="{A935AB1E-05D5-471D-A4A0-4E39DFAC7B4B}"/>
+                <a16:creationId xmlns:a16="http://schemas.microsoft.com/office/drawing/2014/main" xmlns="" id="{A935AB1E-05D5-471D-A4A0-4E39DFAC7B4B}"/>
               </a:ext>
             </a:extLst>
           </p:cNvPr>
@@ -6949,7 +6949,7 @@
           <p:cNvPr id="2" name="Title 1">
             <a:extLst>
               <a:ext uri="{FF2B5EF4-FFF2-40B4-BE49-F238E27FC236}">
-                <a16:creationId xmlns:a16="http://schemas.microsoft.com/office/drawing/2014/main" id="{F3F0CD08-619A-4712-9E87-08DB15E51840}"/>
+                <a16:creationId xmlns:a16="http://schemas.microsoft.com/office/drawing/2014/main" xmlns="" id="{F3F0CD08-619A-4712-9E87-08DB15E51840}"/>
               </a:ext>
             </a:extLst>
           </p:cNvPr>
@@ -6977,7 +6977,7 @@
           <p:cNvPr id="4" name="Picture 3">
             <a:extLst>
               <a:ext uri="{FF2B5EF4-FFF2-40B4-BE49-F238E27FC236}">
-                <a16:creationId xmlns:a16="http://schemas.microsoft.com/office/drawing/2014/main" id="{A7A7D3CC-68D4-43B4-A6E8-B95F42A4521E}"/>
+                <a16:creationId xmlns:a16="http://schemas.microsoft.com/office/drawing/2014/main" xmlns="" id="{A7A7D3CC-68D4-43B4-A6E8-B95F42A4521E}"/>
               </a:ext>
             </a:extLst>
           </p:cNvPr>
@@ -7007,7 +7007,7 @@
           <p:cNvPr id="5" name="Picture 4">
             <a:extLst>
               <a:ext uri="{FF2B5EF4-FFF2-40B4-BE49-F238E27FC236}">
-                <a16:creationId xmlns:a16="http://schemas.microsoft.com/office/drawing/2014/main" id="{9E10E122-3005-4312-8026-84CFB74BBCAB}"/>
+                <a16:creationId xmlns:a16="http://schemas.microsoft.com/office/drawing/2014/main" xmlns="" id="{9E10E122-3005-4312-8026-84CFB74BBCAB}"/>
               </a:ext>
             </a:extLst>
           </p:cNvPr>
@@ -7295,7 +7295,7 @@
           <p:cNvPr id="2" name="Title 1">
             <a:extLst>
               <a:ext uri="{FF2B5EF4-FFF2-40B4-BE49-F238E27FC236}">
-                <a16:creationId xmlns:a16="http://schemas.microsoft.com/office/drawing/2014/main" id="{E55789BB-1406-436C-A5DA-98E554322033}"/>
+                <a16:creationId xmlns:a16="http://schemas.microsoft.com/office/drawing/2014/main" xmlns="" id="{E55789BB-1406-436C-A5DA-98E554322033}"/>
               </a:ext>
             </a:extLst>
           </p:cNvPr>
@@ -7323,7 +7323,7 @@
           <p:cNvPr id="3" name="Content Placeholder 2">
             <a:extLst>
               <a:ext uri="{FF2B5EF4-FFF2-40B4-BE49-F238E27FC236}">
-                <a16:creationId xmlns:a16="http://schemas.microsoft.com/office/drawing/2014/main" id="{0494E1AF-CD33-4331-9772-F90E14B1CD17}"/>
+                <a16:creationId xmlns:a16="http://schemas.microsoft.com/office/drawing/2014/main" xmlns="" id="{0494E1AF-CD33-4331-9772-F90E14B1CD17}"/>
               </a:ext>
             </a:extLst>
           </p:cNvPr>
@@ -7441,7 +7441,7 @@
           <p:cNvPr id="2" name="Title 1">
             <a:extLst>
               <a:ext uri="{FF2B5EF4-FFF2-40B4-BE49-F238E27FC236}">
-                <a16:creationId xmlns:a16="http://schemas.microsoft.com/office/drawing/2014/main" id="{0BDAFAE6-7834-4787-B954-E9B63945853A}"/>
+                <a16:creationId xmlns:a16="http://schemas.microsoft.com/office/drawing/2014/main" xmlns="" id="{0BDAFAE6-7834-4787-B954-E9B63945853A}"/>
               </a:ext>
             </a:extLst>
           </p:cNvPr>
@@ -7466,7 +7466,7 @@
           <p:cNvPr id="4" name="Content Placeholder 3">
             <a:extLst>
               <a:ext uri="{FF2B5EF4-FFF2-40B4-BE49-F238E27FC236}">
-                <a16:creationId xmlns:a16="http://schemas.microsoft.com/office/drawing/2014/main" id="{BCFD7004-E1E2-419B-8180-B662DE2B3911}"/>
+                <a16:creationId xmlns:a16="http://schemas.microsoft.com/office/drawing/2014/main" xmlns="" id="{BCFD7004-E1E2-419B-8180-B662DE2B3911}"/>
               </a:ext>
             </a:extLst>
           </p:cNvPr>
@@ -7498,7 +7498,7 @@
           <p:cNvPr id="3" name="Rectangle 2">
             <a:extLst>
               <a:ext uri="{FF2B5EF4-FFF2-40B4-BE49-F238E27FC236}">
-                <a16:creationId xmlns:a16="http://schemas.microsoft.com/office/drawing/2014/main" id="{C00A6374-159E-487C-A1C3-F7F8F9563139}"/>
+                <a16:creationId xmlns:a16="http://schemas.microsoft.com/office/drawing/2014/main" xmlns="" id="{C00A6374-159E-487C-A1C3-F7F8F9563139}"/>
               </a:ext>
             </a:extLst>
           </p:cNvPr>
@@ -7553,7 +7553,7 @@
           <p:cNvPr id="5" name="TextBox 4">
             <a:extLst>
               <a:ext uri="{FF2B5EF4-FFF2-40B4-BE49-F238E27FC236}">
-                <a16:creationId xmlns:a16="http://schemas.microsoft.com/office/drawing/2014/main" id="{4171F22C-77E7-4F95-B0F0-D8D2B637124A}"/>
+                <a16:creationId xmlns:a16="http://schemas.microsoft.com/office/drawing/2014/main" xmlns="" id="{4171F22C-77E7-4F95-B0F0-D8D2B637124A}"/>
               </a:ext>
             </a:extLst>
           </p:cNvPr>
@@ -7597,7 +7597,7 @@
           <p:cNvPr id="6" name="Rectangle 5">
             <a:extLst>
               <a:ext uri="{FF2B5EF4-FFF2-40B4-BE49-F238E27FC236}">
-                <a16:creationId xmlns:a16="http://schemas.microsoft.com/office/drawing/2014/main" id="{0289DCCF-D68B-4F96-9F52-86D2BA2F4C0E}"/>
+                <a16:creationId xmlns:a16="http://schemas.microsoft.com/office/drawing/2014/main" xmlns="" id="{0289DCCF-D68B-4F96-9F52-86D2BA2F4C0E}"/>
               </a:ext>
             </a:extLst>
           </p:cNvPr>
@@ -7649,7 +7649,7 @@
           <p:cNvPr id="7" name="TextBox 6">
             <a:extLst>
               <a:ext uri="{FF2B5EF4-FFF2-40B4-BE49-F238E27FC236}">
-                <a16:creationId xmlns:a16="http://schemas.microsoft.com/office/drawing/2014/main" id="{7901BAA3-23FF-4260-8910-1C7DEAEBBAF6}"/>
+                <a16:creationId xmlns:a16="http://schemas.microsoft.com/office/drawing/2014/main" xmlns="" id="{7901BAA3-23FF-4260-8910-1C7DEAEBBAF6}"/>
               </a:ext>
             </a:extLst>
           </p:cNvPr>
@@ -7723,7 +7723,7 @@
           <p:cNvPr id="2" name="Title 1">
             <a:extLst>
               <a:ext uri="{FF2B5EF4-FFF2-40B4-BE49-F238E27FC236}">
-                <a16:creationId xmlns:a16="http://schemas.microsoft.com/office/drawing/2014/main" id="{851E051D-DBDF-4BEE-9B68-081D68B9E230}"/>
+                <a16:creationId xmlns:a16="http://schemas.microsoft.com/office/drawing/2014/main" xmlns="" id="{851E051D-DBDF-4BEE-9B68-081D68B9E230}"/>
               </a:ext>
             </a:extLst>
           </p:cNvPr>
@@ -7748,8 +7748,21 @@
           <a:p>
             <a:r>
               <a:rPr lang="en-US" dirty="0"/>
-              <a:t>Exercise #1 : Add title and chart names to any of the layouts and knit them</a:t>
-            </a:r>
+              <a:t>Exercise #1 : Add </a:t>
+            </a:r>
+            <a:r>
+              <a:rPr lang="en-US" dirty="0" smtClean="0"/>
+              <a:t>dashboard title to </a:t>
+            </a:r>
+            <a:r>
+              <a:rPr lang="en-US" dirty="0"/>
+              <a:t>any of the layouts and </a:t>
+            </a:r>
+            <a:r>
+              <a:rPr lang="en-US" dirty="0" smtClean="0"/>
+              <a:t>knit it</a:t>
+            </a:r>
+            <a:endParaRPr lang="en-US" dirty="0"/>
           </a:p>
         </p:txBody>
       </p:sp>
@@ -7758,7 +7771,7 @@
           <p:cNvPr id="2058" name="Picture 1">
             <a:extLst>
               <a:ext uri="{FF2B5EF4-FFF2-40B4-BE49-F238E27FC236}">
-                <a16:creationId xmlns:a16="http://schemas.microsoft.com/office/drawing/2014/main" id="{80ACD98D-9D9F-4134-B139-4D3CC1D0B952}"/>
+                <a16:creationId xmlns:a16="http://schemas.microsoft.com/office/drawing/2014/main" xmlns="" id="{80ACD98D-9D9F-4134-B139-4D3CC1D0B952}"/>
               </a:ext>
             </a:extLst>
           </p:cNvPr>
@@ -7768,7 +7781,7 @@
           <p:nvPr/>
         </p:nvPicPr>
         <p:blipFill>
-          <a:blip r:embed="rId2">
+          <a:blip r:embed="rId2" cstate="print">
             <a:extLst>
               <a:ext uri="{28A0092B-C50C-407E-A947-70E740481C1C}">
                 <a14:useLocalDpi xmlns:a14="http://schemas.microsoft.com/office/drawing/2010/main" val="0"/>
@@ -7805,7 +7818,7 @@
           <p:cNvPr id="2059" name="Picture 2">
             <a:extLst>
               <a:ext uri="{FF2B5EF4-FFF2-40B4-BE49-F238E27FC236}">
-                <a16:creationId xmlns:a16="http://schemas.microsoft.com/office/drawing/2014/main" id="{35FA1467-3D3F-4166-AAA2-06F9A4A1C418}"/>
+                <a16:creationId xmlns:a16="http://schemas.microsoft.com/office/drawing/2014/main" xmlns="" id="{35FA1467-3D3F-4166-AAA2-06F9A4A1C418}"/>
               </a:ext>
             </a:extLst>
           </p:cNvPr>
@@ -7852,7 +7865,7 @@
           <p:cNvPr id="3" name="Text Box 3">
             <a:extLst>
               <a:ext uri="{FF2B5EF4-FFF2-40B4-BE49-F238E27FC236}">
-                <a16:creationId xmlns:a16="http://schemas.microsoft.com/office/drawing/2014/main" id="{D0F245B2-BC9B-4FF1-A49B-0953FA29E7B2}"/>
+                <a16:creationId xmlns:a16="http://schemas.microsoft.com/office/drawing/2014/main" xmlns="" id="{D0F245B2-BC9B-4FF1-A49B-0953FA29E7B2}"/>
               </a:ext>
             </a:extLst>
           </p:cNvPr>
@@ -7945,7 +7958,7 @@
           <p:cNvPr id="4" name="Text Box 4">
             <a:extLst>
               <a:ext uri="{FF2B5EF4-FFF2-40B4-BE49-F238E27FC236}">
-                <a16:creationId xmlns:a16="http://schemas.microsoft.com/office/drawing/2014/main" id="{E477DB6B-7FB5-44B9-B840-0EDA44AFDEFF}"/>
+                <a16:creationId xmlns:a16="http://schemas.microsoft.com/office/drawing/2014/main" xmlns="" id="{E477DB6B-7FB5-44B9-B840-0EDA44AFDEFF}"/>
               </a:ext>
             </a:extLst>
           </p:cNvPr>
@@ -8038,7 +8051,7 @@
           <p:cNvPr id="2061" name="Picture 5">
             <a:extLst>
               <a:ext uri="{FF2B5EF4-FFF2-40B4-BE49-F238E27FC236}">
-                <a16:creationId xmlns:a16="http://schemas.microsoft.com/office/drawing/2014/main" id="{F487E0A1-EA60-415F-AA9B-C1E740D5CF51}"/>
+                <a16:creationId xmlns:a16="http://schemas.microsoft.com/office/drawing/2014/main" xmlns="" id="{F487E0A1-EA60-415F-AA9B-C1E740D5CF51}"/>
               </a:ext>
             </a:extLst>
           </p:cNvPr>
@@ -8085,7 +8098,7 @@
           <p:cNvPr id="5" name="Text Box 6">
             <a:extLst>
               <a:ext uri="{FF2B5EF4-FFF2-40B4-BE49-F238E27FC236}">
-                <a16:creationId xmlns:a16="http://schemas.microsoft.com/office/drawing/2014/main" id="{794319D0-7EE0-4603-9BF7-7E53FA541540}"/>
+                <a16:creationId xmlns:a16="http://schemas.microsoft.com/office/drawing/2014/main" xmlns="" id="{794319D0-7EE0-4603-9BF7-7E53FA541540}"/>
               </a:ext>
             </a:extLst>
           </p:cNvPr>
@@ -8178,7 +8191,7 @@
           <p:cNvPr id="2062" name="Picture 7">
             <a:extLst>
               <a:ext uri="{FF2B5EF4-FFF2-40B4-BE49-F238E27FC236}">
-                <a16:creationId xmlns:a16="http://schemas.microsoft.com/office/drawing/2014/main" id="{4B183A30-00A7-48AB-B1F1-7F8F428A2BCE}"/>
+                <a16:creationId xmlns:a16="http://schemas.microsoft.com/office/drawing/2014/main" xmlns="" id="{4B183A30-00A7-48AB-B1F1-7F8F428A2BCE}"/>
               </a:ext>
             </a:extLst>
           </p:cNvPr>
@@ -8225,7 +8238,7 @@
           <p:cNvPr id="6" name="Text Box 8">
             <a:extLst>
               <a:ext uri="{FF2B5EF4-FFF2-40B4-BE49-F238E27FC236}">
-                <a16:creationId xmlns:a16="http://schemas.microsoft.com/office/drawing/2014/main" id="{FF3E87BF-0FFE-4DC4-8A5F-B2B7C1E4DBC6}"/>
+                <a16:creationId xmlns:a16="http://schemas.microsoft.com/office/drawing/2014/main" xmlns="" id="{FF3E87BF-0FFE-4DC4-8A5F-B2B7C1E4DBC6}"/>
               </a:ext>
             </a:extLst>
           </p:cNvPr>
@@ -8318,7 +8331,7 @@
           <p:cNvPr id="2050" name="Picture 9">
             <a:extLst>
               <a:ext uri="{FF2B5EF4-FFF2-40B4-BE49-F238E27FC236}">
-                <a16:creationId xmlns:a16="http://schemas.microsoft.com/office/drawing/2014/main" id="{762EFF83-1242-4228-891F-A006941E7302}"/>
+                <a16:creationId xmlns:a16="http://schemas.microsoft.com/office/drawing/2014/main" xmlns="" id="{762EFF83-1242-4228-891F-A006941E7302}"/>
               </a:ext>
             </a:extLst>
           </p:cNvPr>
@@ -8328,7 +8341,7 @@
           <p:nvPr/>
         </p:nvPicPr>
         <p:blipFill>
-          <a:blip r:embed="rId6">
+          <a:blip r:embed="rId6" cstate="print">
             <a:extLst>
               <a:ext uri="{28A0092B-C50C-407E-A947-70E740481C1C}">
                 <a14:useLocalDpi xmlns:a14="http://schemas.microsoft.com/office/drawing/2010/main" val="0"/>
@@ -8365,7 +8378,7 @@
           <p:cNvPr id="7" name="Text Box 10">
             <a:extLst>
               <a:ext uri="{FF2B5EF4-FFF2-40B4-BE49-F238E27FC236}">
-                <a16:creationId xmlns:a16="http://schemas.microsoft.com/office/drawing/2014/main" id="{B044498C-643C-453A-9024-1DDA687D8486}"/>
+                <a16:creationId xmlns:a16="http://schemas.microsoft.com/office/drawing/2014/main" xmlns="" id="{B044498C-643C-453A-9024-1DDA687D8486}"/>
               </a:ext>
             </a:extLst>
           </p:cNvPr>
@@ -8458,7 +8471,7 @@
           <p:cNvPr id="2051" name="Picture 11">
             <a:extLst>
               <a:ext uri="{FF2B5EF4-FFF2-40B4-BE49-F238E27FC236}">
-                <a16:creationId xmlns:a16="http://schemas.microsoft.com/office/drawing/2014/main" id="{D52D6337-80CA-4126-BB74-829C10F02BBD}"/>
+                <a16:creationId xmlns:a16="http://schemas.microsoft.com/office/drawing/2014/main" xmlns="" id="{D52D6337-80CA-4126-BB74-829C10F02BBD}"/>
               </a:ext>
             </a:extLst>
           </p:cNvPr>
@@ -8468,7 +8481,7 @@
           <p:nvPr/>
         </p:nvPicPr>
         <p:blipFill>
-          <a:blip r:embed="rId7">
+          <a:blip r:embed="rId7" cstate="print">
             <a:extLst>
               <a:ext uri="{28A0092B-C50C-407E-A947-70E740481C1C}">
                 <a14:useLocalDpi xmlns:a14="http://schemas.microsoft.com/office/drawing/2010/main" val="0"/>
@@ -8505,7 +8518,7 @@
           <p:cNvPr id="8" name="Text Box 12">
             <a:extLst>
               <a:ext uri="{FF2B5EF4-FFF2-40B4-BE49-F238E27FC236}">
-                <a16:creationId xmlns:a16="http://schemas.microsoft.com/office/drawing/2014/main" id="{9553FBF0-220A-4E6B-97CD-546C3D91D860}"/>
+                <a16:creationId xmlns:a16="http://schemas.microsoft.com/office/drawing/2014/main" xmlns="" id="{9553FBF0-220A-4E6B-97CD-546C3D91D860}"/>
               </a:ext>
             </a:extLst>
           </p:cNvPr>
@@ -8598,7 +8611,7 @@
           <p:cNvPr id="2052" name="Picture 13">
             <a:extLst>
               <a:ext uri="{FF2B5EF4-FFF2-40B4-BE49-F238E27FC236}">
-                <a16:creationId xmlns:a16="http://schemas.microsoft.com/office/drawing/2014/main" id="{69C00DC1-C637-48DE-8CAC-5516495F0BE4}"/>
+                <a16:creationId xmlns:a16="http://schemas.microsoft.com/office/drawing/2014/main" xmlns="" id="{69C00DC1-C637-48DE-8CAC-5516495F0BE4}"/>
               </a:ext>
             </a:extLst>
           </p:cNvPr>
@@ -8608,7 +8621,7 @@
           <p:nvPr/>
         </p:nvPicPr>
         <p:blipFill>
-          <a:blip r:embed="rId8">
+          <a:blip r:embed="rId8" cstate="print">
             <a:extLst>
               <a:ext uri="{28A0092B-C50C-407E-A947-70E740481C1C}">
                 <a14:useLocalDpi xmlns:a14="http://schemas.microsoft.com/office/drawing/2010/main" val="0"/>
@@ -8645,7 +8658,7 @@
           <p:cNvPr id="9" name="Text Box 14">
             <a:extLst>
               <a:ext uri="{FF2B5EF4-FFF2-40B4-BE49-F238E27FC236}">
-                <a16:creationId xmlns:a16="http://schemas.microsoft.com/office/drawing/2014/main" id="{59599668-86FB-4816-8767-90C0C88D4A0C}"/>
+                <a16:creationId xmlns:a16="http://schemas.microsoft.com/office/drawing/2014/main" xmlns="" id="{59599668-86FB-4816-8767-90C0C88D4A0C}"/>
               </a:ext>
             </a:extLst>
           </p:cNvPr>
@@ -8738,7 +8751,7 @@
           <p:cNvPr id="10" name="Rectangle 15">
             <a:extLst>
               <a:ext uri="{FF2B5EF4-FFF2-40B4-BE49-F238E27FC236}">
-                <a16:creationId xmlns:a16="http://schemas.microsoft.com/office/drawing/2014/main" id="{24A82A72-AD42-4F0D-A4B9-B2755E325BAE}"/>
+                <a16:creationId xmlns:a16="http://schemas.microsoft.com/office/drawing/2014/main" xmlns="" id="{24A82A72-AD42-4F0D-A4B9-B2755E325BAE}"/>
               </a:ext>
             </a:extLst>
           </p:cNvPr>
@@ -8807,7 +8820,7 @@
           <p:cNvPr id="11" name="Rectangle 17">
             <a:extLst>
               <a:ext uri="{FF2B5EF4-FFF2-40B4-BE49-F238E27FC236}">
-                <a16:creationId xmlns:a16="http://schemas.microsoft.com/office/drawing/2014/main" id="{C711A2BB-D8FF-4C5C-8425-9E36FEBF3E8B}"/>
+                <a16:creationId xmlns:a16="http://schemas.microsoft.com/office/drawing/2014/main" xmlns="" id="{C711A2BB-D8FF-4C5C-8425-9E36FEBF3E8B}"/>
               </a:ext>
             </a:extLst>
           </p:cNvPr>
@@ -8876,7 +8889,7 @@
           <p:cNvPr id="12" name="Rectangle 18">
             <a:extLst>
               <a:ext uri="{FF2B5EF4-FFF2-40B4-BE49-F238E27FC236}">
-                <a16:creationId xmlns:a16="http://schemas.microsoft.com/office/drawing/2014/main" id="{020843F6-0D2B-4740-978E-3EF0099503B7}"/>
+                <a16:creationId xmlns:a16="http://schemas.microsoft.com/office/drawing/2014/main" xmlns="" id="{020843F6-0D2B-4740-978E-3EF0099503B7}"/>
               </a:ext>
             </a:extLst>
           </p:cNvPr>
@@ -9232,7 +9245,7 @@
           <p:cNvPr id="2" name="Title 1">
             <a:extLst>
               <a:ext uri="{FF2B5EF4-FFF2-40B4-BE49-F238E27FC236}">
-                <a16:creationId xmlns:a16="http://schemas.microsoft.com/office/drawing/2014/main" id="{12C14E33-7BAB-400D-A2AF-309BC3B17A38}"/>
+                <a16:creationId xmlns:a16="http://schemas.microsoft.com/office/drawing/2014/main" xmlns="" id="{12C14E33-7BAB-400D-A2AF-309BC3B17A38}"/>
               </a:ext>
             </a:extLst>
           </p:cNvPr>
@@ -9260,7 +9273,7 @@
           <p:cNvPr id="3" name="Content Placeholder 2">
             <a:extLst>
               <a:ext uri="{FF2B5EF4-FFF2-40B4-BE49-F238E27FC236}">
-                <a16:creationId xmlns:a16="http://schemas.microsoft.com/office/drawing/2014/main" id="{9551AB08-2E3B-4BC9-BA42-37C0EA4EBCF6}"/>
+                <a16:creationId xmlns:a16="http://schemas.microsoft.com/office/drawing/2014/main" xmlns="" id="{9551AB08-2E3B-4BC9-BA42-37C0EA4EBCF6}"/>
               </a:ext>
             </a:extLst>
           </p:cNvPr>
@@ -9342,7 +9355,7 @@
           <p:cNvPr id="4" name="Picture 3">
             <a:extLst>
               <a:ext uri="{FF2B5EF4-FFF2-40B4-BE49-F238E27FC236}">
-                <a16:creationId xmlns:a16="http://schemas.microsoft.com/office/drawing/2014/main" id="{ECAF71F8-646C-4FE7-AA69-E8F6CBAE0199}"/>
+                <a16:creationId xmlns:a16="http://schemas.microsoft.com/office/drawing/2014/main" xmlns="" id="{ECAF71F8-646C-4FE7-AA69-E8F6CBAE0199}"/>
               </a:ext>
             </a:extLst>
           </p:cNvPr>
@@ -9372,7 +9385,7 @@
           <p:cNvPr id="5" name="Picture 4">
             <a:extLst>
               <a:ext uri="{FF2B5EF4-FFF2-40B4-BE49-F238E27FC236}">
-                <a16:creationId xmlns:a16="http://schemas.microsoft.com/office/drawing/2014/main" id="{D2696A76-3D1B-4C00-8086-F799405A9E79}"/>
+                <a16:creationId xmlns:a16="http://schemas.microsoft.com/office/drawing/2014/main" xmlns="" id="{D2696A76-3D1B-4C00-8086-F799405A9E79}"/>
               </a:ext>
             </a:extLst>
           </p:cNvPr>
@@ -9402,7 +9415,7 @@
           <p:cNvPr id="6" name="Rectangle 5">
             <a:extLst>
               <a:ext uri="{FF2B5EF4-FFF2-40B4-BE49-F238E27FC236}">
-                <a16:creationId xmlns:a16="http://schemas.microsoft.com/office/drawing/2014/main" id="{B9CD4B85-0B38-4DA8-9A62-126EC0E4E3BE}"/>
+                <a16:creationId xmlns:a16="http://schemas.microsoft.com/office/drawing/2014/main" xmlns="" id="{B9CD4B85-0B38-4DA8-9A62-126EC0E4E3BE}"/>
               </a:ext>
             </a:extLst>
           </p:cNvPr>
@@ -9430,7 +9443,7 @@
                 <a:hlinkClick r:id="rId4">
                   <a:extLst>
                     <a:ext uri="{A12FA001-AC4F-418D-AE19-62706E023703}">
-                      <ahyp:hlinkClr xmlns:ahyp="http://schemas.microsoft.com/office/drawing/2018/hyperlinkcolor" val="tx"/>
+                      <ahyp:hlinkClr xmlns:ahyp="http://schemas.microsoft.com/office/drawing/2018/hyperlinkcolor" xmlns="" val="tx"/>
                     </a:ext>
                   </a:extLst>
                 </a:hlinkClick>
@@ -9446,7 +9459,7 @@
                 <a:hlinkClick r:id="rId4">
                   <a:extLst>
                     <a:ext uri="{A12FA001-AC4F-418D-AE19-62706E023703}">
-                      <ahyp:hlinkClr xmlns:ahyp="http://schemas.microsoft.com/office/drawing/2018/hyperlinkcolor" val="tx"/>
+                      <ahyp:hlinkClr xmlns:ahyp="http://schemas.microsoft.com/office/drawing/2018/hyperlinkcolor" xmlns="" val="tx"/>
                     </a:ext>
                   </a:extLst>
                 </a:hlinkClick>
@@ -9462,7 +9475,7 @@
               <a:hlinkClick r:id="rId4">
                 <a:extLst>
                   <a:ext uri="{A12FA001-AC4F-418D-AE19-62706E023703}">
-                    <ahyp:hlinkClr xmlns:ahyp="http://schemas.microsoft.com/office/drawing/2018/hyperlinkcolor" val="tx"/>
+                    <ahyp:hlinkClr xmlns:ahyp="http://schemas.microsoft.com/office/drawing/2018/hyperlinkcolor" xmlns="" val="tx"/>
                   </a:ext>
                 </a:extLst>
               </a:hlinkClick>
@@ -9505,7 +9518,7 @@
           <p:cNvPr id="2" name="Title 1">
             <a:extLst>
               <a:ext uri="{FF2B5EF4-FFF2-40B4-BE49-F238E27FC236}">
-                <a16:creationId xmlns:a16="http://schemas.microsoft.com/office/drawing/2014/main" id="{12C14E33-7BAB-400D-A2AF-309BC3B17A38}"/>
+                <a16:creationId xmlns:a16="http://schemas.microsoft.com/office/drawing/2014/main" xmlns="" id="{12C14E33-7BAB-400D-A2AF-309BC3B17A38}"/>
               </a:ext>
             </a:extLst>
           </p:cNvPr>
@@ -9533,7 +9546,7 @@
           <p:cNvPr id="3" name="Content Placeholder 2">
             <a:extLst>
               <a:ext uri="{FF2B5EF4-FFF2-40B4-BE49-F238E27FC236}">
-                <a16:creationId xmlns:a16="http://schemas.microsoft.com/office/drawing/2014/main" id="{9551AB08-2E3B-4BC9-BA42-37C0EA4EBCF6}"/>
+                <a16:creationId xmlns:a16="http://schemas.microsoft.com/office/drawing/2014/main" xmlns="" id="{9551AB08-2E3B-4BC9-BA42-37C0EA4EBCF6}"/>
               </a:ext>
             </a:extLst>
           </p:cNvPr>
